--- a/results/notebook_figs/10pop.pptx
+++ b/results/notebook_figs/10pop.pptx
@@ -107,6 +107,11 @@
       </a:defRPr>
     </a:lvl9pPr>
   </p:defaultTextStyle>
+  <p:extLst>
+    <p:ext uri="{EFAFB233-063F-42B5-8137-9DF3F51BA10A}">
+      <p15:sldGuideLst xmlns:p15="http://schemas.microsoft.com/office/powerpoint/2012/main"/>
+    </p:ext>
+  </p:extLst>
 </p:presentation>
 </file>
 
@@ -192,7 +197,7 @@
           <a:p>
             <a:fld id="{00BED0D7-801C-4947-9C17-1397A01FDD71}" type="datetimeFigureOut">
               <a:rPr lang="en-US" smtClean="0"/>
-              <a:t>5/6/20</a:t>
+              <a:t>5/11/20</a:t>
             </a:fld>
             <a:endParaRPr lang="en-US"/>
           </a:p>
@@ -690,7 +695,7 @@
           <a:p>
             <a:fld id="{44305271-1416-5845-A3A2-25EC1540D402}" type="datetimeFigureOut">
               <a:rPr lang="en-US" smtClean="0"/>
-              <a:t>5/6/20</a:t>
+              <a:t>5/11/20</a:t>
             </a:fld>
             <a:endParaRPr lang="en-US"/>
           </a:p>
@@ -888,7 +893,7 @@
           <a:p>
             <a:fld id="{44305271-1416-5845-A3A2-25EC1540D402}" type="datetimeFigureOut">
               <a:rPr lang="en-US" smtClean="0"/>
-              <a:t>5/6/20</a:t>
+              <a:t>5/11/20</a:t>
             </a:fld>
             <a:endParaRPr lang="en-US"/>
           </a:p>
@@ -1096,7 +1101,7 @@
           <a:p>
             <a:fld id="{44305271-1416-5845-A3A2-25EC1540D402}" type="datetimeFigureOut">
               <a:rPr lang="en-US" smtClean="0"/>
-              <a:t>5/6/20</a:t>
+              <a:t>5/11/20</a:t>
             </a:fld>
             <a:endParaRPr lang="en-US"/>
           </a:p>
@@ -1294,7 +1299,7 @@
           <a:p>
             <a:fld id="{44305271-1416-5845-A3A2-25EC1540D402}" type="datetimeFigureOut">
               <a:rPr lang="en-US" smtClean="0"/>
-              <a:t>5/6/20</a:t>
+              <a:t>5/11/20</a:t>
             </a:fld>
             <a:endParaRPr lang="en-US"/>
           </a:p>
@@ -1569,7 +1574,7 @@
           <a:p>
             <a:fld id="{44305271-1416-5845-A3A2-25EC1540D402}" type="datetimeFigureOut">
               <a:rPr lang="en-US" smtClean="0"/>
-              <a:t>5/6/20</a:t>
+              <a:t>5/11/20</a:t>
             </a:fld>
             <a:endParaRPr lang="en-US"/>
           </a:p>
@@ -1834,7 +1839,7 @@
           <a:p>
             <a:fld id="{44305271-1416-5845-A3A2-25EC1540D402}" type="datetimeFigureOut">
               <a:rPr lang="en-US" smtClean="0"/>
-              <a:t>5/6/20</a:t>
+              <a:t>5/11/20</a:t>
             </a:fld>
             <a:endParaRPr lang="en-US"/>
           </a:p>
@@ -2246,7 +2251,7 @@
           <a:p>
             <a:fld id="{44305271-1416-5845-A3A2-25EC1540D402}" type="datetimeFigureOut">
               <a:rPr lang="en-US" smtClean="0"/>
-              <a:t>5/6/20</a:t>
+              <a:t>5/11/20</a:t>
             </a:fld>
             <a:endParaRPr lang="en-US"/>
           </a:p>
@@ -2387,7 +2392,7 @@
           <a:p>
             <a:fld id="{44305271-1416-5845-A3A2-25EC1540D402}" type="datetimeFigureOut">
               <a:rPr lang="en-US" smtClean="0"/>
-              <a:t>5/6/20</a:t>
+              <a:t>5/11/20</a:t>
             </a:fld>
             <a:endParaRPr lang="en-US"/>
           </a:p>
@@ -2500,7 +2505,7 @@
           <a:p>
             <a:fld id="{44305271-1416-5845-A3A2-25EC1540D402}" type="datetimeFigureOut">
               <a:rPr lang="en-US" smtClean="0"/>
-              <a:t>5/6/20</a:t>
+              <a:t>5/11/20</a:t>
             </a:fld>
             <a:endParaRPr lang="en-US"/>
           </a:p>
@@ -2811,7 +2816,7 @@
           <a:p>
             <a:fld id="{44305271-1416-5845-A3A2-25EC1540D402}" type="datetimeFigureOut">
               <a:rPr lang="en-US" smtClean="0"/>
-              <a:t>5/6/20</a:t>
+              <a:t>5/11/20</a:t>
             </a:fld>
             <a:endParaRPr lang="en-US"/>
           </a:p>
@@ -3099,7 +3104,7 @@
           <a:p>
             <a:fld id="{44305271-1416-5845-A3A2-25EC1540D402}" type="datetimeFigureOut">
               <a:rPr lang="en-US" smtClean="0"/>
-              <a:t>5/6/20</a:t>
+              <a:t>5/11/20</a:t>
             </a:fld>
             <a:endParaRPr lang="en-US"/>
           </a:p>
@@ -3340,7 +3345,7 @@
           <a:p>
             <a:fld id="{44305271-1416-5845-A3A2-25EC1540D402}" type="datetimeFigureOut">
               <a:rPr lang="en-US" smtClean="0"/>
-              <a:t>5/6/20</a:t>
+              <a:t>5/11/20</a:t>
             </a:fld>
             <a:endParaRPr lang="en-US"/>
           </a:p>
@@ -4030,10 +4035,10 @@
       </p:sp>
       <p:pic>
         <p:nvPicPr>
-          <p:cNvPr id="73" name="Picture 72" descr="A close up of a map&#10;&#10;Description automatically generated">
-            <a:extLst>
-              <a:ext uri="{FF2B5EF4-FFF2-40B4-BE49-F238E27FC236}">
-                <a16:creationId xmlns:a16="http://schemas.microsoft.com/office/drawing/2014/main" id="{09CFF1B2-A703-2E46-AB22-D1C56EF30D6C}"/>
+          <p:cNvPr id="75" name="Picture 74" descr="A close up of a map&#10;&#10;Description automatically generated">
+            <a:extLst>
+              <a:ext uri="{FF2B5EF4-FFF2-40B4-BE49-F238E27FC236}">
+                <a16:creationId xmlns:a16="http://schemas.microsoft.com/office/drawing/2014/main" id="{E33C5253-10BA-F042-A7D3-70C75A6A55DA}"/>
               </a:ext>
             </a:extLst>
           </p:cNvPr>
@@ -4044,36 +4049,6 @@
         </p:nvPicPr>
         <p:blipFill>
           <a:blip r:embed="rId3"/>
-          <a:stretch>
-            <a:fillRect/>
-          </a:stretch>
-        </p:blipFill>
-        <p:spPr>
-          <a:xfrm>
-            <a:off x="1426736" y="3544801"/>
-            <a:ext cx="4019341" cy="2743200"/>
-          </a:xfrm>
-          <a:prstGeom prst="rect">
-            <a:avLst/>
-          </a:prstGeom>
-        </p:spPr>
-      </p:pic>
-      <p:pic>
-        <p:nvPicPr>
-          <p:cNvPr id="75" name="Picture 74" descr="A close up of a map&#10;&#10;Description automatically generated">
-            <a:extLst>
-              <a:ext uri="{FF2B5EF4-FFF2-40B4-BE49-F238E27FC236}">
-                <a16:creationId xmlns:a16="http://schemas.microsoft.com/office/drawing/2014/main" id="{E33C5253-10BA-F042-A7D3-70C75A6A55DA}"/>
-              </a:ext>
-            </a:extLst>
-          </p:cNvPr>
-          <p:cNvPicPr>
-            <a:picLocks noChangeAspect="1"/>
-          </p:cNvPicPr>
-          <p:nvPr/>
-        </p:nvPicPr>
-        <p:blipFill>
-          <a:blip r:embed="rId4"/>
           <a:stretch>
             <a:fillRect/>
           </a:stretch>
@@ -4103,7 +4078,7 @@
           <p:nvPr/>
         </p:nvPicPr>
         <p:blipFill>
-          <a:blip r:embed="rId5"/>
+          <a:blip r:embed="rId4"/>
           <a:stretch>
             <a:fillRect/>
           </a:stretch>
@@ -4120,10 +4095,40 @@
       </p:pic>
       <p:pic>
         <p:nvPicPr>
-          <p:cNvPr id="79" name="Picture 78" descr="A close up of a map&#10;&#10;Description automatically generated">
-            <a:extLst>
-              <a:ext uri="{FF2B5EF4-FFF2-40B4-BE49-F238E27FC236}">
-                <a16:creationId xmlns:a16="http://schemas.microsoft.com/office/drawing/2014/main" id="{74FAF1BF-8787-4648-8381-58AAC951F539}"/>
+          <p:cNvPr id="3" name="Picture 2" descr="A close up of a map&#10;&#10;Description automatically generated">
+            <a:extLst>
+              <a:ext uri="{FF2B5EF4-FFF2-40B4-BE49-F238E27FC236}">
+                <a16:creationId xmlns:a16="http://schemas.microsoft.com/office/drawing/2014/main" id="{FC74B3BB-F045-7446-AC6E-445D85882BDE}"/>
+              </a:ext>
+            </a:extLst>
+          </p:cNvPr>
+          <p:cNvPicPr>
+            <a:picLocks noChangeAspect="1"/>
+          </p:cNvPicPr>
+          <p:nvPr/>
+        </p:nvPicPr>
+        <p:blipFill>
+          <a:blip r:embed="rId5"/>
+          <a:stretch>
+            <a:fillRect/>
+          </a:stretch>
+        </p:blipFill>
+        <p:spPr>
+          <a:xfrm>
+            <a:off x="1426737" y="3623405"/>
+            <a:ext cx="4019341" cy="2743200"/>
+          </a:xfrm>
+          <a:prstGeom prst="rect">
+            <a:avLst/>
+          </a:prstGeom>
+        </p:spPr>
+      </p:pic>
+      <p:pic>
+        <p:nvPicPr>
+          <p:cNvPr id="7" name="Picture 6" descr="A close up of a map&#10;&#10;Description automatically generated">
+            <a:extLst>
+              <a:ext uri="{FF2B5EF4-FFF2-40B4-BE49-F238E27FC236}">
+                <a16:creationId xmlns:a16="http://schemas.microsoft.com/office/drawing/2014/main" id="{45BAF119-ACF0-DF45-B4A7-92CB0D7E631C}"/>
               </a:ext>
             </a:extLst>
           </p:cNvPr>
@@ -4140,7 +4145,7 @@
         </p:blipFill>
         <p:spPr>
           <a:xfrm>
-            <a:off x="6913375" y="3544801"/>
+            <a:off x="6913376" y="3623405"/>
             <a:ext cx="4019341" cy="2743200"/>
           </a:xfrm>
           <a:prstGeom prst="rect">
